--- a/Application of deep leaning in Recognizing Covid-19 infection.pptx
+++ b/Application of deep leaning in Recognizing Covid-19 infection.pptx
@@ -6499,72 +6499,6 @@
       </p:sp>
       <p:sp>
         <p:nvSpPr>
-          <p:cNvPr id="11" name="Footer Placeholder 10">
-            <a:extLst>
-              <a:ext uri="{FF2B5EF4-FFF2-40B4-BE49-F238E27FC236}">
-                <a16:creationId xmlns:a16="http://schemas.microsoft.com/office/drawing/2014/main" id="{6AA17CD5-6A6E-4EE4-BD68-9B358654D56D}"/>
-              </a:ext>
-            </a:extLst>
-          </p:cNvPr>
-          <p:cNvSpPr>
-            <a:spLocks noGrp="1"/>
-          </p:cNvSpPr>
-          <p:nvPr>
-            <p:ph type="ftr" sz="quarter" idx="11"/>
-          </p:nvPr>
-        </p:nvSpPr>
-        <p:spPr>
-          <a:xfrm>
-            <a:off x="581192" y="6423914"/>
-            <a:ext cx="6917210" cy="365125"/>
-          </a:xfrm>
-        </p:spPr>
-        <p:txBody>
-          <a:bodyPr/>
-          <a:lstStyle/>
-          <a:p>
-            <a:r>
-              <a:rPr lang="en-US" dirty="0"/>
-              <a:t>Sample Footer Text</a:t>
-            </a:r>
-          </a:p>
-        </p:txBody>
-      </p:sp>
-      <p:sp>
-        <p:nvSpPr>
-          <p:cNvPr id="10" name="Date Placeholder 9">
-            <a:extLst>
-              <a:ext uri="{FF2B5EF4-FFF2-40B4-BE49-F238E27FC236}">
-                <a16:creationId xmlns:a16="http://schemas.microsoft.com/office/drawing/2014/main" id="{0DFAC773-B88D-4D58-9F49-43222F2F2EE7}"/>
-              </a:ext>
-            </a:extLst>
-          </p:cNvPr>
-          <p:cNvSpPr>
-            <a:spLocks noGrp="1"/>
-          </p:cNvSpPr>
-          <p:nvPr>
-            <p:ph type="dt" sz="half" idx="10"/>
-          </p:nvPr>
-        </p:nvSpPr>
-        <p:spPr>
-          <a:xfrm>
-            <a:off x="7605951" y="6423914"/>
-            <a:ext cx="2844799" cy="365125"/>
-          </a:xfrm>
-        </p:spPr>
-        <p:txBody>
-          <a:bodyPr/>
-          <a:lstStyle/>
-          <a:p>
-            <a:r>
-              <a:rPr lang="en-US" dirty="0"/>
-              <a:t>20XX</a:t>
-            </a:r>
-          </a:p>
-        </p:txBody>
-      </p:sp>
-      <p:sp>
-        <p:nvSpPr>
           <p:cNvPr id="12" name="Slide Number Placeholder 11">
             <a:extLst>
               <a:ext uri="{FF2B5EF4-FFF2-40B4-BE49-F238E27FC236}">
@@ -6822,72 +6756,6 @@
       </p:sp>
       <p:sp>
         <p:nvSpPr>
-          <p:cNvPr id="14" name="Footer Placeholder 13">
-            <a:extLst>
-              <a:ext uri="{FF2B5EF4-FFF2-40B4-BE49-F238E27FC236}">
-                <a16:creationId xmlns:a16="http://schemas.microsoft.com/office/drawing/2014/main" id="{9C838D91-2BF9-4595-90F6-6E2D751F6F13}"/>
-              </a:ext>
-            </a:extLst>
-          </p:cNvPr>
-          <p:cNvSpPr>
-            <a:spLocks noGrp="1"/>
-          </p:cNvSpPr>
-          <p:nvPr>
-            <p:ph type="ftr" sz="quarter" idx="11"/>
-          </p:nvPr>
-        </p:nvSpPr>
-        <p:spPr>
-          <a:xfrm>
-            <a:off x="581192" y="6423914"/>
-            <a:ext cx="6917210" cy="365125"/>
-          </a:xfrm>
-        </p:spPr>
-        <p:txBody>
-          <a:bodyPr/>
-          <a:lstStyle/>
-          <a:p>
-            <a:r>
-              <a:rPr lang="en-US" dirty="0"/>
-              <a:t>Sample Footer Text</a:t>
-            </a:r>
-          </a:p>
-        </p:txBody>
-      </p:sp>
-      <p:sp>
-        <p:nvSpPr>
-          <p:cNvPr id="13" name="Date Placeholder 12">
-            <a:extLst>
-              <a:ext uri="{FF2B5EF4-FFF2-40B4-BE49-F238E27FC236}">
-                <a16:creationId xmlns:a16="http://schemas.microsoft.com/office/drawing/2014/main" id="{0C174766-9DFA-4FE2-802E-A1E979457119}"/>
-              </a:ext>
-            </a:extLst>
-          </p:cNvPr>
-          <p:cNvSpPr>
-            <a:spLocks noGrp="1"/>
-          </p:cNvSpPr>
-          <p:nvPr>
-            <p:ph type="dt" sz="half" idx="10"/>
-          </p:nvPr>
-        </p:nvSpPr>
-        <p:spPr>
-          <a:xfrm>
-            <a:off x="7605951" y="6423914"/>
-            <a:ext cx="2844799" cy="365125"/>
-          </a:xfrm>
-        </p:spPr>
-        <p:txBody>
-          <a:bodyPr/>
-          <a:lstStyle/>
-          <a:p>
-            <a:r>
-              <a:rPr lang="en-US" dirty="0"/>
-              <a:t>20XX</a:t>
-            </a:r>
-          </a:p>
-        </p:txBody>
-      </p:sp>
-      <p:sp>
-        <p:nvSpPr>
           <p:cNvPr id="15" name="Slide Number Placeholder 14">
             <a:extLst>
               <a:ext uri="{FF2B5EF4-FFF2-40B4-BE49-F238E27FC236}">
@@ -7193,6 +7061,136 @@
           </a:p>
         </p:txBody>
       </p:sp>
+      <p:sp>
+        <p:nvSpPr>
+          <p:cNvPr id="22" name="Slide Number Placeholder 8">
+            <a:extLst>
+              <a:ext uri="{FF2B5EF4-FFF2-40B4-BE49-F238E27FC236}">
+                <a16:creationId xmlns:a16="http://schemas.microsoft.com/office/drawing/2014/main" id="{4DA38D5D-9D81-4AB0-BC92-74BEADF5DDB2}"/>
+              </a:ext>
+            </a:extLst>
+          </p:cNvPr>
+          <p:cNvSpPr txBox="1">
+            <a:spLocks/>
+          </p:cNvSpPr>
+          <p:nvPr/>
+        </p:nvSpPr>
+        <p:spPr>
+          <a:xfrm>
+            <a:off x="10558300" y="6423914"/>
+            <a:ext cx="1052510" cy="365125"/>
+          </a:xfrm>
+          <a:prstGeom prst="rect">
+            <a:avLst/>
+          </a:prstGeom>
+        </p:spPr>
+        <p:txBody>
+          <a:bodyPr/>
+          <a:lstStyle>
+            <a:defPPr>
+              <a:defRPr lang="en-US"/>
+            </a:defPPr>
+            <a:lvl1pPr marL="0" algn="l" defTabSz="457200" rtl="0" eaLnBrk="1" latinLnBrk="0" hangingPunct="1">
+              <a:defRPr sz="1800" kern="1200">
+                <a:solidFill>
+                  <a:schemeClr val="tx1"/>
+                </a:solidFill>
+                <a:latin typeface="+mn-lt"/>
+                <a:ea typeface="+mn-ea"/>
+                <a:cs typeface="+mn-cs"/>
+              </a:defRPr>
+            </a:lvl1pPr>
+            <a:lvl2pPr marL="457200" algn="l" defTabSz="457200" rtl="0" eaLnBrk="1" latinLnBrk="0" hangingPunct="1">
+              <a:defRPr sz="1800" kern="1200">
+                <a:solidFill>
+                  <a:schemeClr val="tx1"/>
+                </a:solidFill>
+                <a:latin typeface="+mn-lt"/>
+                <a:ea typeface="+mn-ea"/>
+                <a:cs typeface="+mn-cs"/>
+              </a:defRPr>
+            </a:lvl2pPr>
+            <a:lvl3pPr marL="914400" algn="l" defTabSz="457200" rtl="0" eaLnBrk="1" latinLnBrk="0" hangingPunct="1">
+              <a:defRPr sz="1800" kern="1200">
+                <a:solidFill>
+                  <a:schemeClr val="tx1"/>
+                </a:solidFill>
+                <a:latin typeface="+mn-lt"/>
+                <a:ea typeface="+mn-ea"/>
+                <a:cs typeface="+mn-cs"/>
+              </a:defRPr>
+            </a:lvl3pPr>
+            <a:lvl4pPr marL="1371600" algn="l" defTabSz="457200" rtl="0" eaLnBrk="1" latinLnBrk="0" hangingPunct="1">
+              <a:defRPr sz="1800" kern="1200">
+                <a:solidFill>
+                  <a:schemeClr val="tx1"/>
+                </a:solidFill>
+                <a:latin typeface="+mn-lt"/>
+                <a:ea typeface="+mn-ea"/>
+                <a:cs typeface="+mn-cs"/>
+              </a:defRPr>
+            </a:lvl4pPr>
+            <a:lvl5pPr marL="1828800" algn="l" defTabSz="457200" rtl="0" eaLnBrk="1" latinLnBrk="0" hangingPunct="1">
+              <a:defRPr sz="1800" kern="1200">
+                <a:solidFill>
+                  <a:schemeClr val="tx1"/>
+                </a:solidFill>
+                <a:latin typeface="+mn-lt"/>
+                <a:ea typeface="+mn-ea"/>
+                <a:cs typeface="+mn-cs"/>
+              </a:defRPr>
+            </a:lvl5pPr>
+            <a:lvl6pPr marL="2286000" algn="l" defTabSz="457200" rtl="0" eaLnBrk="1" latinLnBrk="0" hangingPunct="1">
+              <a:defRPr sz="1800" kern="1200">
+                <a:solidFill>
+                  <a:schemeClr val="tx1"/>
+                </a:solidFill>
+                <a:latin typeface="+mn-lt"/>
+                <a:ea typeface="+mn-ea"/>
+                <a:cs typeface="+mn-cs"/>
+              </a:defRPr>
+            </a:lvl6pPr>
+            <a:lvl7pPr marL="2743200" algn="l" defTabSz="457200" rtl="0" eaLnBrk="1" latinLnBrk="0" hangingPunct="1">
+              <a:defRPr sz="1800" kern="1200">
+                <a:solidFill>
+                  <a:schemeClr val="tx1"/>
+                </a:solidFill>
+                <a:latin typeface="+mn-lt"/>
+                <a:ea typeface="+mn-ea"/>
+                <a:cs typeface="+mn-cs"/>
+              </a:defRPr>
+            </a:lvl7pPr>
+            <a:lvl8pPr marL="3200400" algn="l" defTabSz="457200" rtl="0" eaLnBrk="1" latinLnBrk="0" hangingPunct="1">
+              <a:defRPr sz="1800" kern="1200">
+                <a:solidFill>
+                  <a:schemeClr val="tx1"/>
+                </a:solidFill>
+                <a:latin typeface="+mn-lt"/>
+                <a:ea typeface="+mn-ea"/>
+                <a:cs typeface="+mn-cs"/>
+              </a:defRPr>
+            </a:lvl8pPr>
+            <a:lvl9pPr marL="3657600" algn="l" defTabSz="457200" rtl="0" eaLnBrk="1" latinLnBrk="0" hangingPunct="1">
+              <a:defRPr sz="1800" kern="1200">
+                <a:solidFill>
+                  <a:schemeClr val="tx1"/>
+                </a:solidFill>
+                <a:latin typeface="+mn-lt"/>
+                <a:ea typeface="+mn-ea"/>
+                <a:cs typeface="+mn-cs"/>
+              </a:defRPr>
+            </a:lvl9pPr>
+          </a:lstStyle>
+          <a:p>
+            <a:fld id="{3A98EE3D-8CD1-4C3F-BD1C-C98C9596463C}" type="slidenum">
+              <a:rPr lang="en-US" sz="900" smtClean="0"/>
+              <a:pPr/>
+              <a:t>4</a:t>
+            </a:fld>
+            <a:endParaRPr lang="en-US" sz="900" dirty="0"/>
+          </a:p>
+        </p:txBody>
+      </p:sp>
     </p:spTree>
     <p:extLst>
       <p:ext uri="{BB962C8B-B14F-4D97-AF65-F5344CB8AC3E}">
@@ -7470,6 +7468,136 @@
           </a:p>
         </p:txBody>
       </p:sp>
+      <p:sp>
+        <p:nvSpPr>
+          <p:cNvPr id="9" name="Slide Number Placeholder 8">
+            <a:extLst>
+              <a:ext uri="{FF2B5EF4-FFF2-40B4-BE49-F238E27FC236}">
+                <a16:creationId xmlns:a16="http://schemas.microsoft.com/office/drawing/2014/main" id="{1F3576B6-73A6-425F-AE87-3660B4B63005}"/>
+              </a:ext>
+            </a:extLst>
+          </p:cNvPr>
+          <p:cNvSpPr txBox="1">
+            <a:spLocks/>
+          </p:cNvSpPr>
+          <p:nvPr/>
+        </p:nvSpPr>
+        <p:spPr>
+          <a:xfrm>
+            <a:off x="10558300" y="6423914"/>
+            <a:ext cx="1052510" cy="365125"/>
+          </a:xfrm>
+          <a:prstGeom prst="rect">
+            <a:avLst/>
+          </a:prstGeom>
+        </p:spPr>
+        <p:txBody>
+          <a:bodyPr/>
+          <a:lstStyle>
+            <a:defPPr>
+              <a:defRPr lang="en-US"/>
+            </a:defPPr>
+            <a:lvl1pPr marL="0" algn="l" defTabSz="457200" rtl="0" eaLnBrk="1" latinLnBrk="0" hangingPunct="1">
+              <a:defRPr sz="1800" kern="1200">
+                <a:solidFill>
+                  <a:schemeClr val="tx1"/>
+                </a:solidFill>
+                <a:latin typeface="+mn-lt"/>
+                <a:ea typeface="+mn-ea"/>
+                <a:cs typeface="+mn-cs"/>
+              </a:defRPr>
+            </a:lvl1pPr>
+            <a:lvl2pPr marL="457200" algn="l" defTabSz="457200" rtl="0" eaLnBrk="1" latinLnBrk="0" hangingPunct="1">
+              <a:defRPr sz="1800" kern="1200">
+                <a:solidFill>
+                  <a:schemeClr val="tx1"/>
+                </a:solidFill>
+                <a:latin typeface="+mn-lt"/>
+                <a:ea typeface="+mn-ea"/>
+                <a:cs typeface="+mn-cs"/>
+              </a:defRPr>
+            </a:lvl2pPr>
+            <a:lvl3pPr marL="914400" algn="l" defTabSz="457200" rtl="0" eaLnBrk="1" latinLnBrk="0" hangingPunct="1">
+              <a:defRPr sz="1800" kern="1200">
+                <a:solidFill>
+                  <a:schemeClr val="tx1"/>
+                </a:solidFill>
+                <a:latin typeface="+mn-lt"/>
+                <a:ea typeface="+mn-ea"/>
+                <a:cs typeface="+mn-cs"/>
+              </a:defRPr>
+            </a:lvl3pPr>
+            <a:lvl4pPr marL="1371600" algn="l" defTabSz="457200" rtl="0" eaLnBrk="1" latinLnBrk="0" hangingPunct="1">
+              <a:defRPr sz="1800" kern="1200">
+                <a:solidFill>
+                  <a:schemeClr val="tx1"/>
+                </a:solidFill>
+                <a:latin typeface="+mn-lt"/>
+                <a:ea typeface="+mn-ea"/>
+                <a:cs typeface="+mn-cs"/>
+              </a:defRPr>
+            </a:lvl4pPr>
+            <a:lvl5pPr marL="1828800" algn="l" defTabSz="457200" rtl="0" eaLnBrk="1" latinLnBrk="0" hangingPunct="1">
+              <a:defRPr sz="1800" kern="1200">
+                <a:solidFill>
+                  <a:schemeClr val="tx1"/>
+                </a:solidFill>
+                <a:latin typeface="+mn-lt"/>
+                <a:ea typeface="+mn-ea"/>
+                <a:cs typeface="+mn-cs"/>
+              </a:defRPr>
+            </a:lvl5pPr>
+            <a:lvl6pPr marL="2286000" algn="l" defTabSz="457200" rtl="0" eaLnBrk="1" latinLnBrk="0" hangingPunct="1">
+              <a:defRPr sz="1800" kern="1200">
+                <a:solidFill>
+                  <a:schemeClr val="tx1"/>
+                </a:solidFill>
+                <a:latin typeface="+mn-lt"/>
+                <a:ea typeface="+mn-ea"/>
+                <a:cs typeface="+mn-cs"/>
+              </a:defRPr>
+            </a:lvl6pPr>
+            <a:lvl7pPr marL="2743200" algn="l" defTabSz="457200" rtl="0" eaLnBrk="1" latinLnBrk="0" hangingPunct="1">
+              <a:defRPr sz="1800" kern="1200">
+                <a:solidFill>
+                  <a:schemeClr val="tx1"/>
+                </a:solidFill>
+                <a:latin typeface="+mn-lt"/>
+                <a:ea typeface="+mn-ea"/>
+                <a:cs typeface="+mn-cs"/>
+              </a:defRPr>
+            </a:lvl7pPr>
+            <a:lvl8pPr marL="3200400" algn="l" defTabSz="457200" rtl="0" eaLnBrk="1" latinLnBrk="0" hangingPunct="1">
+              <a:defRPr sz="1800" kern="1200">
+                <a:solidFill>
+                  <a:schemeClr val="tx1"/>
+                </a:solidFill>
+                <a:latin typeface="+mn-lt"/>
+                <a:ea typeface="+mn-ea"/>
+                <a:cs typeface="+mn-cs"/>
+              </a:defRPr>
+            </a:lvl8pPr>
+            <a:lvl9pPr marL="3657600" algn="l" defTabSz="457200" rtl="0" eaLnBrk="1" latinLnBrk="0" hangingPunct="1">
+              <a:defRPr sz="1800" kern="1200">
+                <a:solidFill>
+                  <a:schemeClr val="tx1"/>
+                </a:solidFill>
+                <a:latin typeface="+mn-lt"/>
+                <a:ea typeface="+mn-ea"/>
+                <a:cs typeface="+mn-cs"/>
+              </a:defRPr>
+            </a:lvl9pPr>
+          </a:lstStyle>
+          <a:p>
+            <a:fld id="{3A98EE3D-8CD1-4C3F-BD1C-C98C9596463C}" type="slidenum">
+              <a:rPr lang="en-US" sz="1000" smtClean="0"/>
+              <a:pPr/>
+              <a:t>5</a:t>
+            </a:fld>
+            <a:endParaRPr lang="en-US" sz="1000" dirty="0"/>
+          </a:p>
+        </p:txBody>
+      </p:sp>
     </p:spTree>
     <p:extLst>
       <p:ext uri="{BB962C8B-B14F-4D97-AF65-F5344CB8AC3E}">
@@ -7529,72 +7657,6 @@
             <a:r>
               <a:rPr lang="en-US" dirty="0"/>
               <a:t>Model Performance Chart</a:t>
-            </a:r>
-          </a:p>
-        </p:txBody>
-      </p:sp>
-      <p:sp>
-        <p:nvSpPr>
-          <p:cNvPr id="8" name="Footer Placeholder 7">
-            <a:extLst>
-              <a:ext uri="{FF2B5EF4-FFF2-40B4-BE49-F238E27FC236}">
-                <a16:creationId xmlns:a16="http://schemas.microsoft.com/office/drawing/2014/main" id="{1B7645B3-B75C-434F-AB33-1C3335F08CCB}"/>
-              </a:ext>
-            </a:extLst>
-          </p:cNvPr>
-          <p:cNvSpPr>
-            <a:spLocks noGrp="1"/>
-          </p:cNvSpPr>
-          <p:nvPr>
-            <p:ph type="ftr" sz="quarter" idx="11"/>
-          </p:nvPr>
-        </p:nvSpPr>
-        <p:spPr>
-          <a:xfrm>
-            <a:off x="581192" y="6423914"/>
-            <a:ext cx="6917210" cy="365125"/>
-          </a:xfrm>
-        </p:spPr>
-        <p:txBody>
-          <a:bodyPr/>
-          <a:lstStyle/>
-          <a:p>
-            <a:r>
-              <a:rPr lang="en-US" dirty="0"/>
-              <a:t>Sample Footer Text</a:t>
-            </a:r>
-          </a:p>
-        </p:txBody>
-      </p:sp>
-      <p:sp>
-        <p:nvSpPr>
-          <p:cNvPr id="7" name="Date Placeholder 6">
-            <a:extLst>
-              <a:ext uri="{FF2B5EF4-FFF2-40B4-BE49-F238E27FC236}">
-                <a16:creationId xmlns:a16="http://schemas.microsoft.com/office/drawing/2014/main" id="{11EA4786-0B7C-4A96-8541-BEB665948AE4}"/>
-              </a:ext>
-            </a:extLst>
-          </p:cNvPr>
-          <p:cNvSpPr>
-            <a:spLocks noGrp="1"/>
-          </p:cNvSpPr>
-          <p:nvPr>
-            <p:ph type="dt" sz="half" idx="10"/>
-          </p:nvPr>
-        </p:nvSpPr>
-        <p:spPr>
-          <a:xfrm>
-            <a:off x="7605951" y="6423914"/>
-            <a:ext cx="2844799" cy="365125"/>
-          </a:xfrm>
-        </p:spPr>
-        <p:txBody>
-          <a:bodyPr/>
-          <a:lstStyle/>
-          <a:p>
-            <a:r>
-              <a:rPr lang="en-US" dirty="0"/>
-              <a:t>20XX</a:t>
             </a:r>
           </a:p>
         </p:txBody>
@@ -7757,72 +7819,6 @@
       </p:sp>
       <p:sp>
         <p:nvSpPr>
-          <p:cNvPr id="6" name="Footer Placeholder 5">
-            <a:extLst>
-              <a:ext uri="{FF2B5EF4-FFF2-40B4-BE49-F238E27FC236}">
-                <a16:creationId xmlns:a16="http://schemas.microsoft.com/office/drawing/2014/main" id="{3E40BA46-6753-46D4-94DA-26C1DCABC98F}"/>
-              </a:ext>
-            </a:extLst>
-          </p:cNvPr>
-          <p:cNvSpPr>
-            <a:spLocks noGrp="1"/>
-          </p:cNvSpPr>
-          <p:nvPr>
-            <p:ph type="ftr" sz="quarter" idx="11"/>
-          </p:nvPr>
-        </p:nvSpPr>
-        <p:spPr>
-          <a:xfrm>
-            <a:off x="581192" y="6423914"/>
-            <a:ext cx="6917210" cy="365125"/>
-          </a:xfrm>
-        </p:spPr>
-        <p:txBody>
-          <a:bodyPr/>
-          <a:lstStyle/>
-          <a:p>
-            <a:r>
-              <a:rPr lang="en-US" dirty="0"/>
-              <a:t>Sample Footer Text</a:t>
-            </a:r>
-          </a:p>
-        </p:txBody>
-      </p:sp>
-      <p:sp>
-        <p:nvSpPr>
-          <p:cNvPr id="5" name="Date Placeholder 4">
-            <a:extLst>
-              <a:ext uri="{FF2B5EF4-FFF2-40B4-BE49-F238E27FC236}">
-                <a16:creationId xmlns:a16="http://schemas.microsoft.com/office/drawing/2014/main" id="{7DEDE294-B0CC-4B2B-B4EB-CDB318F28838}"/>
-              </a:ext>
-            </a:extLst>
-          </p:cNvPr>
-          <p:cNvSpPr>
-            <a:spLocks noGrp="1"/>
-          </p:cNvSpPr>
-          <p:nvPr>
-            <p:ph type="dt" sz="half" idx="10"/>
-          </p:nvPr>
-        </p:nvSpPr>
-        <p:spPr>
-          <a:xfrm>
-            <a:off x="7605951" y="6423914"/>
-            <a:ext cx="2844799" cy="365125"/>
-          </a:xfrm>
-        </p:spPr>
-        <p:txBody>
-          <a:bodyPr/>
-          <a:lstStyle/>
-          <a:p>
-            <a:r>
-              <a:rPr lang="en-US" dirty="0"/>
-              <a:t>20XX</a:t>
-            </a:r>
-          </a:p>
-        </p:txBody>
-      </p:sp>
-      <p:sp>
-        <p:nvSpPr>
           <p:cNvPr id="7" name="Slide Number Placeholder 6">
             <a:extLst>
               <a:ext uri="{FF2B5EF4-FFF2-40B4-BE49-F238E27FC236}">
@@ -7996,8 +7992,8 @@
         </p:nvSpPr>
         <p:spPr>
           <a:xfrm>
-            <a:off x="581192" y="3986411"/>
-            <a:ext cx="2018789" cy="1872388"/>
+            <a:off x="988814" y="996916"/>
+            <a:ext cx="4828092" cy="1074255"/>
           </a:xfrm>
         </p:spPr>
         <p:txBody>
@@ -8006,147 +8002,11 @@
           <a:p>
             <a:r>
               <a:rPr lang="en-US" dirty="0"/>
-              <a:t>Summary outlook</a:t>
-            </a:r>
-          </a:p>
-        </p:txBody>
-      </p:sp>
-      <p:pic>
-        <p:nvPicPr>
-          <p:cNvPr id="9" name="Picture Placeholder 8" descr="A person smiling for the camera&#10;">
-            <a:extLst>
-              <a:ext uri="{FF2B5EF4-FFF2-40B4-BE49-F238E27FC236}">
-                <a16:creationId xmlns:a16="http://schemas.microsoft.com/office/drawing/2014/main" id="{0C4F09C2-CDF0-42F2-ACBE-48A7C5A30183}"/>
-              </a:ext>
-            </a:extLst>
-          </p:cNvPr>
-          <p:cNvPicPr>
-            <a:picLocks noGrp="1" noChangeAspect="1"/>
-          </p:cNvPicPr>
-          <p:nvPr>
-            <p:ph type="pic" sz="quarter" idx="13"/>
-          </p:nvPr>
-        </p:nvPicPr>
-        <p:blipFill rotWithShape="1">
-          <a:blip r:embed="rId2" cstate="screen">
-            <a:extLst>
-              <a:ext uri="{28A0092B-C50C-407E-A947-70E740481C1C}">
-                <a14:useLocalDpi xmlns:a14="http://schemas.microsoft.com/office/drawing/2010/main" val="0"/>
-              </a:ext>
-            </a:extLst>
-          </a:blip>
-          <a:srcRect/>
-          <a:stretch/>
-        </p:blipFill>
-        <p:spPr>
-          <a:xfrm>
-            <a:off x="448056" y="768096"/>
-            <a:ext cx="2578608" cy="2816352"/>
-          </a:xfrm>
-        </p:spPr>
-      </p:pic>
-      <p:pic>
-        <p:nvPicPr>
-          <p:cNvPr id="11" name="Picture Placeholder 10" descr="Two people looking at a paper&#10;">
-            <a:extLst>
-              <a:ext uri="{FF2B5EF4-FFF2-40B4-BE49-F238E27FC236}">
-                <a16:creationId xmlns:a16="http://schemas.microsoft.com/office/drawing/2014/main" id="{CCB647CF-2AAB-45DF-86A9-63D8063F12EC}"/>
-              </a:ext>
-            </a:extLst>
-          </p:cNvPr>
-          <p:cNvPicPr>
-            <a:picLocks noGrp="1" noChangeAspect="1"/>
-          </p:cNvPicPr>
-          <p:nvPr>
-            <p:ph type="pic" sz="quarter" idx="14"/>
-          </p:nvPr>
-        </p:nvPicPr>
-        <p:blipFill rotWithShape="1">
-          <a:blip r:embed="rId3" cstate="screen">
-            <a:extLst>
-              <a:ext uri="{28A0092B-C50C-407E-A947-70E740481C1C}">
-                <a14:useLocalDpi xmlns:a14="http://schemas.microsoft.com/office/drawing/2010/main" val="0"/>
-              </a:ext>
-            </a:extLst>
-          </a:blip>
-          <a:srcRect/>
-          <a:stretch/>
-        </p:blipFill>
-        <p:spPr>
-          <a:xfrm>
-            <a:off x="3352800" y="768096"/>
-            <a:ext cx="2578608" cy="2816352"/>
-          </a:xfrm>
-        </p:spPr>
-      </p:pic>
-      <p:pic>
-        <p:nvPicPr>
-          <p:cNvPr id="13" name="Picture Placeholder 12" descr="A doctor with his arms crossed&#10;">
-            <a:extLst>
-              <a:ext uri="{FF2B5EF4-FFF2-40B4-BE49-F238E27FC236}">
-                <a16:creationId xmlns:a16="http://schemas.microsoft.com/office/drawing/2014/main" id="{FEE47F26-5CCA-4F67-A13A-A48D1F2E9CA5}"/>
-              </a:ext>
-            </a:extLst>
-          </p:cNvPr>
-          <p:cNvPicPr>
-            <a:picLocks noGrp="1" noChangeAspect="1"/>
-          </p:cNvPicPr>
-          <p:nvPr>
-            <p:ph type="pic" sz="quarter" idx="15"/>
-          </p:nvPr>
-        </p:nvPicPr>
-        <p:blipFill rotWithShape="1">
-          <a:blip r:embed="rId4" cstate="screen">
-            <a:extLst>
-              <a:ext uri="{28A0092B-C50C-407E-A947-70E740481C1C}">
-                <a14:useLocalDpi xmlns:a14="http://schemas.microsoft.com/office/drawing/2010/main" val="0"/>
-              </a:ext>
-            </a:extLst>
-          </a:blip>
-          <a:srcRect/>
-          <a:stretch/>
-        </p:blipFill>
-        <p:spPr>
-          <a:xfrm>
-            <a:off x="6257544" y="768096"/>
-            <a:ext cx="2578608" cy="2816352"/>
-          </a:xfrm>
-        </p:spPr>
-      </p:pic>
-      <p:pic>
-        <p:nvPicPr>
-          <p:cNvPr id="15" name="Picture Placeholder 14" descr="A picture containing a nurse and child">
-            <a:extLst>
-              <a:ext uri="{FF2B5EF4-FFF2-40B4-BE49-F238E27FC236}">
-                <a16:creationId xmlns:a16="http://schemas.microsoft.com/office/drawing/2014/main" id="{75C485B9-17CC-4622-BC83-361CFF6D5277}"/>
-              </a:ext>
-            </a:extLst>
-          </p:cNvPr>
-          <p:cNvPicPr>
-            <a:picLocks noGrp="1" noChangeAspect="1"/>
-          </p:cNvPicPr>
-          <p:nvPr>
-            <p:ph type="pic" sz="quarter" idx="16"/>
-          </p:nvPr>
-        </p:nvPicPr>
-        <p:blipFill rotWithShape="1">
-          <a:blip r:embed="rId5" cstate="screen">
-            <a:extLst>
-              <a:ext uri="{28A0092B-C50C-407E-A947-70E740481C1C}">
-                <a14:useLocalDpi xmlns:a14="http://schemas.microsoft.com/office/drawing/2010/main" val="0"/>
-              </a:ext>
-            </a:extLst>
-          </a:blip>
-          <a:srcRect/>
-          <a:stretch/>
-        </p:blipFill>
-        <p:spPr>
-          <a:xfrm>
-            <a:off x="9162288" y="768096"/>
-            <a:ext cx="2578608" cy="2816352"/>
-          </a:xfrm>
-        </p:spPr>
-      </p:pic>
+              <a:t>Summary and outlook</a:t>
+            </a:r>
+          </a:p>
+        </p:txBody>
+      </p:sp>
       <p:sp>
         <p:nvSpPr>
           <p:cNvPr id="3" name="Content Placeholder 2">
@@ -8165,13 +8025,13 @@
         </p:nvSpPr>
         <p:spPr>
           <a:xfrm>
-            <a:off x="2820318" y="3956050"/>
-            <a:ext cx="8925149" cy="1902749"/>
+            <a:off x="570173" y="2645043"/>
+            <a:ext cx="10578897" cy="1902749"/>
           </a:xfrm>
         </p:spPr>
         <p:txBody>
           <a:bodyPr>
-            <a:normAutofit lnSpcReduction="10000"/>
+            <a:normAutofit/>
           </a:bodyPr>
           <a:lstStyle/>
           <a:p>
@@ -8194,39 +8054,6 @@
                 <a:cs typeface="Times New Roman" panose="02020603050405020304" pitchFamily="18" charset="0"/>
               </a:rPr>
               <a:t>With an improvement of 10% in accuracy, our AI model will potentially be able to screen out 10% more infected cases in terms of using chest X-ray to detect Covid-19 infections. And this type of machine learning technique can be extended to the analysis of medical images from other diagnostic tools such as CT chest scan and CT and MRI brain scan, so as to assistant healthcare professionals to solve complex problems with better efficiency and accuracy. </a:t>
-            </a:r>
-          </a:p>
-        </p:txBody>
-      </p:sp>
-      <p:sp>
-        <p:nvSpPr>
-          <p:cNvPr id="16" name="Date Placeholder 15">
-            <a:extLst>
-              <a:ext uri="{FF2B5EF4-FFF2-40B4-BE49-F238E27FC236}">
-                <a16:creationId xmlns:a16="http://schemas.microsoft.com/office/drawing/2014/main" id="{4F5324B1-1FAF-47A8-BB9C-C1DC70D7A183}"/>
-              </a:ext>
-            </a:extLst>
-          </p:cNvPr>
-          <p:cNvSpPr>
-            <a:spLocks noGrp="1"/>
-          </p:cNvSpPr>
-          <p:nvPr>
-            <p:ph type="dt" sz="half" idx="10"/>
-          </p:nvPr>
-        </p:nvSpPr>
-        <p:spPr>
-          <a:xfrm>
-            <a:off x="7605951" y="6423914"/>
-            <a:ext cx="2844799" cy="365125"/>
-          </a:xfrm>
-        </p:spPr>
-        <p:txBody>
-          <a:bodyPr/>
-          <a:lstStyle/>
-          <a:p>
-            <a:r>
-              <a:rPr lang="en-US" dirty="0"/>
-              <a:t>20XX</a:t>
             </a:r>
           </a:p>
         </p:txBody>
